--- a/Daily_dev Challenge/Daily_dev challenge.pptx
+++ b/Daily_dev Challenge/Daily_dev challenge.pptx
@@ -215,7 +215,7 @@
           <a:p>
             <a:fld id="{C2509D9E-8CF1-439D-9750-5DCAC05E5B30}" type="datetimeFigureOut">
               <a:rPr lang="en-US" smtClean="0"/>
-              <a:t>9/27/2024</a:t>
+              <a:t>9/28/2024</a:t>
             </a:fld>
             <a:endParaRPr lang="en-US"/>
           </a:p>
@@ -2031,7 +2031,7 @@
           <a:p>
             <a:fld id="{A64A2CA8-65A7-4B50-AA2A-466495742E8E}" type="datetimeFigureOut">
               <a:rPr lang="en-US" smtClean="0"/>
-              <a:t>9/27/2024</a:t>
+              <a:t>9/28/2024</a:t>
             </a:fld>
             <a:endParaRPr lang="en-US"/>
           </a:p>
@@ -2229,7 +2229,7 @@
           <a:p>
             <a:fld id="{A64A2CA8-65A7-4B50-AA2A-466495742E8E}" type="datetimeFigureOut">
               <a:rPr lang="en-US" smtClean="0"/>
-              <a:t>9/27/2024</a:t>
+              <a:t>9/28/2024</a:t>
             </a:fld>
             <a:endParaRPr lang="en-US"/>
           </a:p>
@@ -2437,7 +2437,7 @@
           <a:p>
             <a:fld id="{A64A2CA8-65A7-4B50-AA2A-466495742E8E}" type="datetimeFigureOut">
               <a:rPr lang="en-US" smtClean="0"/>
-              <a:t>9/27/2024</a:t>
+              <a:t>9/28/2024</a:t>
             </a:fld>
             <a:endParaRPr lang="en-US"/>
           </a:p>
@@ -5472,7 +5472,7 @@
           <a:p>
             <a:fld id="{A64A2CA8-65A7-4B50-AA2A-466495742E8E}" type="datetimeFigureOut">
               <a:rPr lang="en-US" smtClean="0"/>
-              <a:t>9/27/2024</a:t>
+              <a:t>9/28/2024</a:t>
             </a:fld>
             <a:endParaRPr lang="en-US"/>
           </a:p>
@@ -6354,7 +6354,7 @@
           <a:p>
             <a:fld id="{A64A2CA8-65A7-4B50-AA2A-466495742E8E}" type="datetimeFigureOut">
               <a:rPr lang="en-US" smtClean="0"/>
-              <a:t>9/27/2024</a:t>
+              <a:t>9/28/2024</a:t>
             </a:fld>
             <a:endParaRPr lang="en-US"/>
           </a:p>
@@ -6619,7 +6619,7 @@
           <a:p>
             <a:fld id="{A64A2CA8-65A7-4B50-AA2A-466495742E8E}" type="datetimeFigureOut">
               <a:rPr lang="en-US" smtClean="0"/>
-              <a:t>9/27/2024</a:t>
+              <a:t>9/28/2024</a:t>
             </a:fld>
             <a:endParaRPr lang="en-US"/>
           </a:p>
@@ -7031,7 +7031,7 @@
           <a:p>
             <a:fld id="{A64A2CA8-65A7-4B50-AA2A-466495742E8E}" type="datetimeFigureOut">
               <a:rPr lang="en-US" smtClean="0"/>
-              <a:t>9/27/2024</a:t>
+              <a:t>9/28/2024</a:t>
             </a:fld>
             <a:endParaRPr lang="en-US"/>
           </a:p>
@@ -7172,7 +7172,7 @@
           <a:p>
             <a:fld id="{A64A2CA8-65A7-4B50-AA2A-466495742E8E}" type="datetimeFigureOut">
               <a:rPr lang="en-US" smtClean="0"/>
-              <a:t>9/27/2024</a:t>
+              <a:t>9/28/2024</a:t>
             </a:fld>
             <a:endParaRPr lang="en-US"/>
           </a:p>
@@ -7285,7 +7285,7 @@
           <a:p>
             <a:fld id="{A64A2CA8-65A7-4B50-AA2A-466495742E8E}" type="datetimeFigureOut">
               <a:rPr lang="en-US" smtClean="0"/>
-              <a:t>9/27/2024</a:t>
+              <a:t>9/28/2024</a:t>
             </a:fld>
             <a:endParaRPr lang="en-US"/>
           </a:p>
@@ -7596,7 +7596,7 @@
           <a:p>
             <a:fld id="{A64A2CA8-65A7-4B50-AA2A-466495742E8E}" type="datetimeFigureOut">
               <a:rPr lang="en-US" smtClean="0"/>
-              <a:t>9/27/2024</a:t>
+              <a:t>9/28/2024</a:t>
             </a:fld>
             <a:endParaRPr lang="en-US"/>
           </a:p>
@@ -7884,7 +7884,7 @@
           <a:p>
             <a:fld id="{A64A2CA8-65A7-4B50-AA2A-466495742E8E}" type="datetimeFigureOut">
               <a:rPr lang="en-US" smtClean="0"/>
-              <a:t>9/27/2024</a:t>
+              <a:t>9/28/2024</a:t>
             </a:fld>
             <a:endParaRPr lang="en-US"/>
           </a:p>
@@ -8125,7 +8125,7 @@
           <a:p>
             <a:fld id="{A64A2CA8-65A7-4B50-AA2A-466495742E8E}" type="datetimeFigureOut">
               <a:rPr lang="en-US" smtClean="0"/>
-              <a:t>9/27/2024</a:t>
+              <a:t>9/28/2024</a:t>
             </a:fld>
             <a:endParaRPr lang="en-US"/>
           </a:p>
@@ -20774,7 +20774,7 @@
                 <a:cs typeface="Fira Sans Medium"/>
                 <a:sym typeface="Fira Sans Medium"/>
               </a:rPr>
-              <a:t>Diagram</a:t>
+              <a:t>Database</a:t>
             </a:r>
             <a:endParaRPr sz="5400" dirty="0">
               <a:latin typeface="Fira Sans Medium"/>
@@ -20843,7 +20843,7 @@
         </p:blipFill>
         <p:spPr>
           <a:xfrm>
-            <a:off x="590886" y="121614"/>
+            <a:off x="590886" y="0"/>
             <a:ext cx="11010228" cy="6614772"/>
           </a:xfrm>
           <a:prstGeom prst="rect">
@@ -20851,6 +20851,45 @@
           </a:prstGeom>
         </p:spPr>
       </p:pic>
+      <p:sp>
+        <p:nvSpPr>
+          <p:cNvPr id="2" name="TextBox 1">
+            <a:extLst>
+              <a:ext uri="{FF2B5EF4-FFF2-40B4-BE49-F238E27FC236}">
+                <a16:creationId xmlns:a16="http://schemas.microsoft.com/office/drawing/2014/main" id="{81811261-76A8-4834-1717-3AEA35FF956D}"/>
+              </a:ext>
+            </a:extLst>
+          </p:cNvPr>
+          <p:cNvSpPr txBox="1"/>
+          <p:nvPr/>
+        </p:nvSpPr>
+        <p:spPr>
+          <a:xfrm>
+            <a:off x="3657600" y="6519446"/>
+            <a:ext cx="4876800" cy="307777"/>
+          </a:xfrm>
+          <a:prstGeom prst="rect">
+            <a:avLst/>
+          </a:prstGeom>
+          <a:noFill/>
+        </p:spPr>
+        <p:txBody>
+          <a:bodyPr wrap="square">
+            <a:spAutoFit/>
+          </a:bodyPr>
+          <a:lstStyle/>
+          <a:p>
+            <a:pPr algn="ctr"/>
+            <a:r>
+              <a:rPr lang="en-US" sz="1400" dirty="0">
+                <a:hlinkClick r:id="rId3"/>
+              </a:rPr>
+              <a:t>https://dbdiagram.io/d/6649e0fbf84ecd1d229010f9</a:t>
+            </a:r>
+            <a:endParaRPr lang="en-US" sz="1400" dirty="0"/>
+          </a:p>
+        </p:txBody>
+      </p:sp>
     </p:spTree>
     <p:extLst>
       <p:ext uri="{BB962C8B-B14F-4D97-AF65-F5344CB8AC3E}">

--- a/Daily_dev Challenge/Daily_dev challenge.pptx
+++ b/Daily_dev Challenge/Daily_dev challenge.pptx
@@ -215,7 +215,7 @@
           <a:p>
             <a:fld id="{C2509D9E-8CF1-439D-9750-5DCAC05E5B30}" type="datetimeFigureOut">
               <a:rPr lang="en-US" smtClean="0"/>
-              <a:t>9/28/2024</a:t>
+              <a:t>9/29/2024</a:t>
             </a:fld>
             <a:endParaRPr lang="en-US"/>
           </a:p>
@@ -2031,7 +2031,7 @@
           <a:p>
             <a:fld id="{A64A2CA8-65A7-4B50-AA2A-466495742E8E}" type="datetimeFigureOut">
               <a:rPr lang="en-US" smtClean="0"/>
-              <a:t>9/28/2024</a:t>
+              <a:t>9/29/2024</a:t>
             </a:fld>
             <a:endParaRPr lang="en-US"/>
           </a:p>
@@ -2229,7 +2229,7 @@
           <a:p>
             <a:fld id="{A64A2CA8-65A7-4B50-AA2A-466495742E8E}" type="datetimeFigureOut">
               <a:rPr lang="en-US" smtClean="0"/>
-              <a:t>9/28/2024</a:t>
+              <a:t>9/29/2024</a:t>
             </a:fld>
             <a:endParaRPr lang="en-US"/>
           </a:p>
@@ -2437,7 +2437,7 @@
           <a:p>
             <a:fld id="{A64A2CA8-65A7-4B50-AA2A-466495742E8E}" type="datetimeFigureOut">
               <a:rPr lang="en-US" smtClean="0"/>
-              <a:t>9/28/2024</a:t>
+              <a:t>9/29/2024</a:t>
             </a:fld>
             <a:endParaRPr lang="en-US"/>
           </a:p>
@@ -5472,7 +5472,7 @@
           <a:p>
             <a:fld id="{A64A2CA8-65A7-4B50-AA2A-466495742E8E}" type="datetimeFigureOut">
               <a:rPr lang="en-US" smtClean="0"/>
-              <a:t>9/28/2024</a:t>
+              <a:t>9/29/2024</a:t>
             </a:fld>
             <a:endParaRPr lang="en-US"/>
           </a:p>
@@ -6354,7 +6354,7 @@
           <a:p>
             <a:fld id="{A64A2CA8-65A7-4B50-AA2A-466495742E8E}" type="datetimeFigureOut">
               <a:rPr lang="en-US" smtClean="0"/>
-              <a:t>9/28/2024</a:t>
+              <a:t>9/29/2024</a:t>
             </a:fld>
             <a:endParaRPr lang="en-US"/>
           </a:p>
@@ -6619,7 +6619,7 @@
           <a:p>
             <a:fld id="{A64A2CA8-65A7-4B50-AA2A-466495742E8E}" type="datetimeFigureOut">
               <a:rPr lang="en-US" smtClean="0"/>
-              <a:t>9/28/2024</a:t>
+              <a:t>9/29/2024</a:t>
             </a:fld>
             <a:endParaRPr lang="en-US"/>
           </a:p>
@@ -7031,7 +7031,7 @@
           <a:p>
             <a:fld id="{A64A2CA8-65A7-4B50-AA2A-466495742E8E}" type="datetimeFigureOut">
               <a:rPr lang="en-US" smtClean="0"/>
-              <a:t>9/28/2024</a:t>
+              <a:t>9/29/2024</a:t>
             </a:fld>
             <a:endParaRPr lang="en-US"/>
           </a:p>
@@ -7172,7 +7172,7 @@
           <a:p>
             <a:fld id="{A64A2CA8-65A7-4B50-AA2A-466495742E8E}" type="datetimeFigureOut">
               <a:rPr lang="en-US" smtClean="0"/>
-              <a:t>9/28/2024</a:t>
+              <a:t>9/29/2024</a:t>
             </a:fld>
             <a:endParaRPr lang="en-US"/>
           </a:p>
@@ -7285,7 +7285,7 @@
           <a:p>
             <a:fld id="{A64A2CA8-65A7-4B50-AA2A-466495742E8E}" type="datetimeFigureOut">
               <a:rPr lang="en-US" smtClean="0"/>
-              <a:t>9/28/2024</a:t>
+              <a:t>9/29/2024</a:t>
             </a:fld>
             <a:endParaRPr lang="en-US"/>
           </a:p>
@@ -7596,7 +7596,7 @@
           <a:p>
             <a:fld id="{A64A2CA8-65A7-4B50-AA2A-466495742E8E}" type="datetimeFigureOut">
               <a:rPr lang="en-US" smtClean="0"/>
-              <a:t>9/28/2024</a:t>
+              <a:t>9/29/2024</a:t>
             </a:fld>
             <a:endParaRPr lang="en-US"/>
           </a:p>
@@ -7884,7 +7884,7 @@
           <a:p>
             <a:fld id="{A64A2CA8-65A7-4B50-AA2A-466495742E8E}" type="datetimeFigureOut">
               <a:rPr lang="en-US" smtClean="0"/>
-              <a:t>9/28/2024</a:t>
+              <a:t>9/29/2024</a:t>
             </a:fld>
             <a:endParaRPr lang="en-US"/>
           </a:p>
@@ -8125,7 +8125,7 @@
           <a:p>
             <a:fld id="{A64A2CA8-65A7-4B50-AA2A-466495742E8E}" type="datetimeFigureOut">
               <a:rPr lang="en-US" smtClean="0"/>
-              <a:t>9/28/2024</a:t>
+              <a:t>9/29/2024</a:t>
             </a:fld>
             <a:endParaRPr lang="en-US"/>
           </a:p>
@@ -20815,42 +20815,6 @@
           <a:chExt cx="0" cy="0"/>
         </a:xfrm>
       </p:grpSpPr>
-      <p:pic>
-        <p:nvPicPr>
-          <p:cNvPr id="3" name="Picture 2" descr="A computer screen shot of a computer&#10;&#10;Description automatically generated">
-            <a:extLst>
-              <a:ext uri="{FF2B5EF4-FFF2-40B4-BE49-F238E27FC236}">
-                <a16:creationId xmlns:a16="http://schemas.microsoft.com/office/drawing/2014/main" id="{DF1DBA6F-5488-021A-9A8D-D496389016D7}"/>
-              </a:ext>
-            </a:extLst>
-          </p:cNvPr>
-          <p:cNvPicPr>
-            <a:picLocks noChangeAspect="1"/>
-          </p:cNvPicPr>
-          <p:nvPr/>
-        </p:nvPicPr>
-        <p:blipFill>
-          <a:blip r:embed="rId2">
-            <a:extLst>
-              <a:ext uri="{28A0092B-C50C-407E-A947-70E740481C1C}">
-                <a14:useLocalDpi xmlns:a14="http://schemas.microsoft.com/office/drawing/2010/main" val="0"/>
-              </a:ext>
-            </a:extLst>
-          </a:blip>
-          <a:stretch>
-            <a:fillRect/>
-          </a:stretch>
-        </p:blipFill>
-        <p:spPr>
-          <a:xfrm>
-            <a:off x="590886" y="0"/>
-            <a:ext cx="11010228" cy="6614772"/>
-          </a:xfrm>
-          <a:prstGeom prst="rect">
-            <a:avLst/>
-          </a:prstGeom>
-        </p:spPr>
-      </p:pic>
       <p:sp>
         <p:nvSpPr>
           <p:cNvPr id="2" name="TextBox 1">
@@ -20865,7 +20829,7 @@
         </p:nvSpPr>
         <p:spPr>
           <a:xfrm>
-            <a:off x="3657600" y="6519446"/>
+            <a:off x="3657600" y="6528873"/>
             <a:ext cx="4876800" cy="307777"/>
           </a:xfrm>
           <a:prstGeom prst="rect">
@@ -20882,7 +20846,7 @@
             <a:pPr algn="ctr"/>
             <a:r>
               <a:rPr lang="en-US" sz="1400" dirty="0">
-                <a:hlinkClick r:id="rId3"/>
+                <a:hlinkClick r:id="rId2"/>
               </a:rPr>
               <a:t>https://dbdiagram.io/d/6649e0fbf84ecd1d229010f9</a:t>
             </a:r>
@@ -20890,6 +20854,41 @@
           </a:p>
         </p:txBody>
       </p:sp>
+      <p:pic>
+        <p:nvPicPr>
+          <p:cNvPr id="7" name="Picture 6" descr="A screenshot of a computer&#10;&#10;Description automatically generated">
+            <a:extLst>
+              <a:ext uri="{FF2B5EF4-FFF2-40B4-BE49-F238E27FC236}">
+                <a16:creationId xmlns:a16="http://schemas.microsoft.com/office/drawing/2014/main" id="{E83342AC-7466-B6A5-00B4-196A91F7CE27}"/>
+              </a:ext>
+            </a:extLst>
+          </p:cNvPr>
+          <p:cNvPicPr>
+            <a:picLocks noChangeAspect="1"/>
+          </p:cNvPicPr>
+          <p:nvPr/>
+        </p:nvPicPr>
+        <p:blipFill>
+          <a:blip r:embed="rId3">
+            <a:extLst>
+              <a:ext uri="{28A0092B-C50C-407E-A947-70E740481C1C}">
+                <a14:useLocalDpi xmlns:a14="http://schemas.microsoft.com/office/drawing/2010/main" val="0"/>
+              </a:ext>
+            </a:extLst>
+          </a:blip>
+          <a:srcRect t="1314" r="8091"/>
+          <a:stretch/>
+        </p:blipFill>
+        <p:spPr>
+          <a:xfrm>
+            <a:off x="975920" y="30777"/>
+            <a:ext cx="10240160" cy="6558558"/>
+          </a:xfrm>
+          <a:prstGeom prst="rect">
+            <a:avLst/>
+          </a:prstGeom>
+        </p:spPr>
+      </p:pic>
     </p:spTree>
     <p:extLst>
       <p:ext uri="{BB962C8B-B14F-4D97-AF65-F5344CB8AC3E}">
@@ -20934,8 +20933,8 @@
         </p:nvGrpSpPr>
         <p:grpSpPr>
           <a:xfrm>
-            <a:off x="2709332" y="1674375"/>
-            <a:ext cx="6773333" cy="3931116"/>
+            <a:off x="2694889" y="1576514"/>
+            <a:ext cx="6802221" cy="4386291"/>
             <a:chOff x="3331180" y="1880914"/>
             <a:chExt cx="2481610" cy="1645696"/>
           </a:xfrm>
@@ -28852,8 +28851,8 @@
         </p:blipFill>
         <p:spPr>
           <a:xfrm>
-            <a:off x="4254763" y="1904605"/>
-            <a:ext cx="3770069" cy="2165035"/>
+            <a:off x="4528616" y="2141183"/>
+            <a:ext cx="3134690" cy="1800157"/>
           </a:xfrm>
           <a:prstGeom prst="rect">
             <a:avLst/>
@@ -28874,7 +28873,7 @@
         </p:nvSpPr>
         <p:spPr>
           <a:xfrm>
-            <a:off x="4254763" y="1791800"/>
+            <a:off x="4259934" y="1940970"/>
             <a:ext cx="3678418" cy="2415307"/>
           </a:xfrm>
           <a:prstGeom prst="rect">
